--- a/meridional plane figure/meridional-plane.pptx
+++ b/meridional plane figure/meridional-plane.pptx
@@ -104,6 +104,11 @@
       </a:defRPr>
     </a:lvl9pPr>
   </p:defaultTextStyle>
+  <p:extLst>
+    <p:ext uri="{EFAFB233-063F-42B5-8137-9DF3F51BA10A}">
+      <p15:sldGuideLst xmlns:p15="http://schemas.microsoft.com/office/powerpoint/2012/main"/>
+    </p:ext>
+  </p:extLst>
 </p:presentation>
 </file>
 
@@ -238,7 +243,7 @@
           <a:p>
             <a:fld id="{B8AA366F-3497-4270-B281-8C1FAEE41EB9}" type="datetimeFigureOut">
               <a:rPr lang="en-GB" smtClean="0"/>
-              <a:t>18/12/2018</a:t>
+              <a:t>27/04/2019</a:t>
             </a:fld>
             <a:endParaRPr lang="en-GB"/>
           </a:p>
@@ -408,7 +413,7 @@
           <a:p>
             <a:fld id="{B8AA366F-3497-4270-B281-8C1FAEE41EB9}" type="datetimeFigureOut">
               <a:rPr lang="en-GB" smtClean="0"/>
-              <a:t>18/12/2018</a:t>
+              <a:t>27/04/2019</a:t>
             </a:fld>
             <a:endParaRPr lang="en-GB"/>
           </a:p>
@@ -588,7 +593,7 @@
           <a:p>
             <a:fld id="{B8AA366F-3497-4270-B281-8C1FAEE41EB9}" type="datetimeFigureOut">
               <a:rPr lang="en-GB" smtClean="0"/>
-              <a:t>18/12/2018</a:t>
+              <a:t>27/04/2019</a:t>
             </a:fld>
             <a:endParaRPr lang="en-GB"/>
           </a:p>
@@ -758,7 +763,7 @@
           <a:p>
             <a:fld id="{B8AA366F-3497-4270-B281-8C1FAEE41EB9}" type="datetimeFigureOut">
               <a:rPr lang="en-GB" smtClean="0"/>
-              <a:t>18/12/2018</a:t>
+              <a:t>27/04/2019</a:t>
             </a:fld>
             <a:endParaRPr lang="en-GB"/>
           </a:p>
@@ -1002,7 +1007,7 @@
           <a:p>
             <a:fld id="{B8AA366F-3497-4270-B281-8C1FAEE41EB9}" type="datetimeFigureOut">
               <a:rPr lang="en-GB" smtClean="0"/>
-              <a:t>18/12/2018</a:t>
+              <a:t>27/04/2019</a:t>
             </a:fld>
             <a:endParaRPr lang="en-GB"/>
           </a:p>
@@ -1234,7 +1239,7 @@
           <a:p>
             <a:fld id="{B8AA366F-3497-4270-B281-8C1FAEE41EB9}" type="datetimeFigureOut">
               <a:rPr lang="en-GB" smtClean="0"/>
-              <a:t>18/12/2018</a:t>
+              <a:t>27/04/2019</a:t>
             </a:fld>
             <a:endParaRPr lang="en-GB"/>
           </a:p>
@@ -1601,7 +1606,7 @@
           <a:p>
             <a:fld id="{B8AA366F-3497-4270-B281-8C1FAEE41EB9}" type="datetimeFigureOut">
               <a:rPr lang="en-GB" smtClean="0"/>
-              <a:t>18/12/2018</a:t>
+              <a:t>27/04/2019</a:t>
             </a:fld>
             <a:endParaRPr lang="en-GB"/>
           </a:p>
@@ -1719,7 +1724,7 @@
           <a:p>
             <a:fld id="{B8AA366F-3497-4270-B281-8C1FAEE41EB9}" type="datetimeFigureOut">
               <a:rPr lang="en-GB" smtClean="0"/>
-              <a:t>18/12/2018</a:t>
+              <a:t>27/04/2019</a:t>
             </a:fld>
             <a:endParaRPr lang="en-GB"/>
           </a:p>
@@ -1814,7 +1819,7 @@
           <a:p>
             <a:fld id="{B8AA366F-3497-4270-B281-8C1FAEE41EB9}" type="datetimeFigureOut">
               <a:rPr lang="en-GB" smtClean="0"/>
-              <a:t>18/12/2018</a:t>
+              <a:t>27/04/2019</a:t>
             </a:fld>
             <a:endParaRPr lang="en-GB"/>
           </a:p>
@@ -2091,7 +2096,7 @@
           <a:p>
             <a:fld id="{B8AA366F-3497-4270-B281-8C1FAEE41EB9}" type="datetimeFigureOut">
               <a:rPr lang="en-GB" smtClean="0"/>
-              <a:t>18/12/2018</a:t>
+              <a:t>27/04/2019</a:t>
             </a:fld>
             <a:endParaRPr lang="en-GB"/>
           </a:p>
@@ -2348,7 +2353,7 @@
           <a:p>
             <a:fld id="{B8AA366F-3497-4270-B281-8C1FAEE41EB9}" type="datetimeFigureOut">
               <a:rPr lang="en-GB" smtClean="0"/>
-              <a:t>18/12/2018</a:t>
+              <a:t>27/04/2019</a:t>
             </a:fld>
             <a:endParaRPr lang="en-GB"/>
           </a:p>
@@ -2561,7 +2566,7 @@
           <a:p>
             <a:fld id="{B8AA366F-3497-4270-B281-8C1FAEE41EB9}" type="datetimeFigureOut">
               <a:rPr lang="en-GB" smtClean="0"/>
-              <a:t>18/12/2018</a:t>
+              <a:t>27/04/2019</a:t>
             </a:fld>
             <a:endParaRPr lang="en-GB"/>
           </a:p>
@@ -3188,8 +3193,8 @@
         </p:nvSpPr>
         <p:spPr>
           <a:xfrm>
-            <a:off x="5630174" y="934839"/>
-            <a:ext cx="1754006" cy="369332"/>
+            <a:off x="5668274" y="1027665"/>
+            <a:ext cx="1600118" cy="369332"/>
           </a:xfrm>
           <a:prstGeom prst="rect">
             <a:avLst/>
@@ -3207,7 +3212,7 @@
                 <a:latin typeface="Times New Roman" panose="02020603050405020304" pitchFamily="18" charset="0"/>
                 <a:cs typeface="Times New Roman" panose="02020603050405020304" pitchFamily="18" charset="0"/>
               </a:rPr>
-              <a:t>Plane at (</a:t>
+              <a:t>Plane at </a:t>
             </a:r>
             <a:r>
               <a:rPr lang="el-GR" dirty="0">
@@ -3221,7 +3226,7 @@
                 <a:latin typeface="Times New Roman" panose="02020603050405020304" pitchFamily="18" charset="0"/>
                 <a:cs typeface="Times New Roman" panose="02020603050405020304" pitchFamily="18" charset="0"/>
               </a:rPr>
-              <a:t>=60°)</a:t>
+              <a:t>=60°</a:t>
             </a:r>
           </a:p>
         </p:txBody>
